--- a/Documents/产品文档/产品需求文档/人工智能编曲-范洋.pptx
+++ b/Documents/产品文档/产品需求文档/人工智能编曲-范洋.pptx
@@ -5379,7 +5379,7 @@
           <a:p>
             <a:pPr/>
             <a:r>
-              <a:t>人工智能编曲商业计划书</a:t>
+              <a:t>人工智能作曲商业计划书</a:t>
             </a:r>
           </a:p>
         </p:txBody>
@@ -11402,7 +11402,7 @@
         <p:spPr>
           <a:xfrm>
             <a:off x="787605" y="3643503"/>
-            <a:ext cx="1347746" cy="491487"/>
+            <a:ext cx="1347746" cy="713737"/>
           </a:xfrm>
           <a:prstGeom prst="rect">
             <a:avLst/>
@@ -11442,7 +11442,7 @@
           <a:p>
             <a:pPr/>
             <a:r>
-              <a:t>微软创投企业技术合伙人 ，占股85%</a:t>
+              <a:t>5年互联网产品经验，微软创投企业技术合伙人 ，占股85%</a:t>
             </a:r>
           </a:p>
         </p:txBody>
@@ -11912,7 +11912,7 @@
         <p:spPr>
           <a:xfrm>
             <a:off x="2909227" y="3652244"/>
-            <a:ext cx="1347745" cy="491487"/>
+            <a:ext cx="1347745" cy="713737"/>
           </a:xfrm>
           <a:prstGeom prst="rect">
             <a:avLst/>
@@ -11952,7 +11952,7 @@
           <a:p>
             <a:pPr/>
             <a:r>
-              <a:t>浙江省公安局项目负责人 ，占股15%</a:t>
+              <a:t>5年软件研发经验，浙江省公安局项目负责人 ，占股15%</a:t>
             </a:r>
           </a:p>
         </p:txBody>
@@ -11965,8 +11965,8 @@
         </p:nvSpPr>
         <p:spPr>
           <a:xfrm>
-            <a:off x="5051476" y="3652244"/>
-            <a:ext cx="1347745" cy="491487"/>
+            <a:off x="5051476" y="3614144"/>
+            <a:ext cx="1347745" cy="875662"/>
           </a:xfrm>
           <a:prstGeom prst="rect">
             <a:avLst/>
@@ -11992,7 +11992,7 @@
               <a:spcBef>
                 <a:spcPts val="600"/>
               </a:spcBef>
-              <a:defRPr sz="1000">
+              <a:defRPr sz="900">
                 <a:solidFill>
                   <a:srgbClr val="D9D9D9"/>
                 </a:solidFill>
@@ -12006,7 +12006,7 @@
           <a:p>
             <a:pPr/>
             <a:r>
-              <a:t>上市公司机器学习专家</a:t>
+              <a:t>20年软件研发、机器学习经验，5年团队管理经验，上市公司机器学习专家</a:t>
             </a:r>
           </a:p>
         </p:txBody>
